--- a/architecture-diagram.pptx
+++ b/architecture-diagram.pptx
@@ -104,6 +104,11 @@
       </a:defRPr>
     </a:lvl9pPr>
   </p:defaultTextStyle>
+  <p:extLst>
+    <p:ext uri="{EFAFB233-063F-42B5-8137-9DF3F51BA10A}">
+      <p15:sldGuideLst xmlns:p15="http://schemas.microsoft.com/office/powerpoint/2012/main"/>
+    </p:ext>
+  </p:extLst>
 </p:presentation>
 </file>
 
@@ -3516,15 +3521,7 @@
             <a:pPr algn="ctr"/>
             <a:r>
               <a:rPr lang="en-US" sz="1400" i="1" dirty="0"/>
-              <a:t>/</a:t>
-            </a:r>
-            <a:r>
-              <a:rPr lang="en-US" sz="1400" i="1" dirty="0" err="1"/>
-              <a:t>aws</a:t>
-            </a:r>
-            <a:r>
-              <a:rPr lang="en-US" sz="1400" i="1" dirty="0"/>
-              <a:t>-app-resources</a:t>
+              <a:t>/aws-app-resources</a:t>
             </a:r>
           </a:p>
           <a:p>
@@ -3819,13 +3816,8 @@
             <a:pPr algn="ctr"/>
             <a:r>
               <a:rPr lang="en-US" sz="1400" dirty="0"/>
-              <a:t>AWS </a:t>
-            </a:r>
-            <a:r>
-              <a:rPr lang="en-US" sz="1400" dirty="0" err="1"/>
-              <a:t>CodePipeline</a:t>
-            </a:r>
-            <a:endParaRPr lang="en-US" sz="1400" dirty="0"/>
+              <a:t>AWS CodePipeline</a:t>
+            </a:r>
           </a:p>
         </p:txBody>
       </p:sp>
@@ -3896,13 +3888,8 @@
             <a:pPr algn="ctr"/>
             <a:r>
               <a:rPr lang="en-US" sz="1400" dirty="0"/>
-              <a:t>AWS </a:t>
-            </a:r>
-            <a:r>
-              <a:rPr lang="en-US" sz="1400" dirty="0" err="1"/>
-              <a:t>CodeBuild</a:t>
-            </a:r>
-            <a:endParaRPr lang="en-US" sz="1400" dirty="0"/>
+              <a:t>AWS CodeBuild</a:t>
+            </a:r>
           </a:p>
           <a:p>
             <a:pPr algn="ctr"/>

--- a/architecture-diagram.pptx
+++ b/architecture-diagram.pptx
@@ -6,6 +6,7 @@
   </p:sldMasterIdLst>
   <p:sldIdLst>
     <p:sldId id="256" r:id="rId2"/>
+    <p:sldId id="257" r:id="rId3"/>
   </p:sldIdLst>
   <p:sldSz cx="12192000" cy="6858000"/>
   <p:notesSz cx="6858000" cy="9144000"/>
@@ -261,7 +262,7 @@
           <a:p>
             <a:fld id="{CB0B8888-97CF-B644-8DEA-05D46E643516}" type="datetimeFigureOut">
               <a:rPr lang="en-US" smtClean="0"/>
-              <a:t>11/12/19</a:t>
+              <a:t>12/16/2019</a:t>
             </a:fld>
             <a:endParaRPr lang="en-US"/>
           </a:p>
@@ -461,7 +462,7 @@
           <a:p>
             <a:fld id="{CB0B8888-97CF-B644-8DEA-05D46E643516}" type="datetimeFigureOut">
               <a:rPr lang="en-US" smtClean="0"/>
-              <a:t>11/12/19</a:t>
+              <a:t>12/16/2019</a:t>
             </a:fld>
             <a:endParaRPr lang="en-US"/>
           </a:p>
@@ -671,7 +672,7 @@
           <a:p>
             <a:fld id="{CB0B8888-97CF-B644-8DEA-05D46E643516}" type="datetimeFigureOut">
               <a:rPr lang="en-US" smtClean="0"/>
-              <a:t>11/12/19</a:t>
+              <a:t>12/16/2019</a:t>
             </a:fld>
             <a:endParaRPr lang="en-US"/>
           </a:p>
@@ -871,7 +872,7 @@
           <a:p>
             <a:fld id="{CB0B8888-97CF-B644-8DEA-05D46E643516}" type="datetimeFigureOut">
               <a:rPr lang="en-US" smtClean="0"/>
-              <a:t>11/12/19</a:t>
+              <a:t>12/16/2019</a:t>
             </a:fld>
             <a:endParaRPr lang="en-US"/>
           </a:p>
@@ -1147,7 +1148,7 @@
           <a:p>
             <a:fld id="{CB0B8888-97CF-B644-8DEA-05D46E643516}" type="datetimeFigureOut">
               <a:rPr lang="en-US" smtClean="0"/>
-              <a:t>11/12/19</a:t>
+              <a:t>12/16/2019</a:t>
             </a:fld>
             <a:endParaRPr lang="en-US"/>
           </a:p>
@@ -1415,7 +1416,7 @@
           <a:p>
             <a:fld id="{CB0B8888-97CF-B644-8DEA-05D46E643516}" type="datetimeFigureOut">
               <a:rPr lang="en-US" smtClean="0"/>
-              <a:t>11/12/19</a:t>
+              <a:t>12/16/2019</a:t>
             </a:fld>
             <a:endParaRPr lang="en-US"/>
           </a:p>
@@ -1830,7 +1831,7 @@
           <a:p>
             <a:fld id="{CB0B8888-97CF-B644-8DEA-05D46E643516}" type="datetimeFigureOut">
               <a:rPr lang="en-US" smtClean="0"/>
-              <a:t>11/12/19</a:t>
+              <a:t>12/16/2019</a:t>
             </a:fld>
             <a:endParaRPr lang="en-US"/>
           </a:p>
@@ -1972,7 +1973,7 @@
           <a:p>
             <a:fld id="{CB0B8888-97CF-B644-8DEA-05D46E643516}" type="datetimeFigureOut">
               <a:rPr lang="en-US" smtClean="0"/>
-              <a:t>11/12/19</a:t>
+              <a:t>12/16/2019</a:t>
             </a:fld>
             <a:endParaRPr lang="en-US"/>
           </a:p>
@@ -2085,7 +2086,7 @@
           <a:p>
             <a:fld id="{CB0B8888-97CF-B644-8DEA-05D46E643516}" type="datetimeFigureOut">
               <a:rPr lang="en-US" smtClean="0"/>
-              <a:t>11/12/19</a:t>
+              <a:t>12/16/2019</a:t>
             </a:fld>
             <a:endParaRPr lang="en-US"/>
           </a:p>
@@ -2398,7 +2399,7 @@
           <a:p>
             <a:fld id="{CB0B8888-97CF-B644-8DEA-05D46E643516}" type="datetimeFigureOut">
               <a:rPr lang="en-US" smtClean="0"/>
-              <a:t>11/12/19</a:t>
+              <a:t>12/16/2019</a:t>
             </a:fld>
             <a:endParaRPr lang="en-US"/>
           </a:p>
@@ -2687,7 +2688,7 @@
           <a:p>
             <a:fld id="{CB0B8888-97CF-B644-8DEA-05D46E643516}" type="datetimeFigureOut">
               <a:rPr lang="en-US" smtClean="0"/>
-              <a:t>11/12/19</a:t>
+              <a:t>12/16/2019</a:t>
             </a:fld>
             <a:endParaRPr lang="en-US"/>
           </a:p>
@@ -2930,7 +2931,7 @@
           <a:p>
             <a:fld id="{CB0B8888-97CF-B644-8DEA-05D46E643516}" type="datetimeFigureOut">
               <a:rPr lang="en-US" smtClean="0"/>
-              <a:t>11/12/19</a:t>
+              <a:t>12/16/2019</a:t>
             </a:fld>
             <a:endParaRPr lang="en-US"/>
           </a:p>
@@ -4278,6 +4279,1724 @@
 </p:sld>
 </file>
 
+<file path=ppt/slides/slide2.xml><?xml version="1.0" encoding="utf-8"?>
+<p:sld xmlns:a="http://schemas.openxmlformats.org/drawingml/2006/main" xmlns:r="http://schemas.openxmlformats.org/officeDocument/2006/relationships" xmlns:p="http://schemas.openxmlformats.org/presentationml/2006/main">
+  <p:cSld>
+    <p:spTree>
+      <p:nvGrpSpPr>
+        <p:cNvPr id="1" name=""/>
+        <p:cNvGrpSpPr/>
+        <p:nvPr/>
+      </p:nvGrpSpPr>
+      <p:grpSpPr>
+        <a:xfrm>
+          <a:off x="0" y="0"/>
+          <a:ext cx="0" cy="0"/>
+          <a:chOff x="0" y="0"/>
+          <a:chExt cx="0" cy="0"/>
+        </a:xfrm>
+      </p:grpSpPr>
+      <p:sp>
+        <p:nvSpPr>
+          <p:cNvPr id="4" name="Rectangle 3">
+            <a:extLst>
+              <a:ext uri="{FF2B5EF4-FFF2-40B4-BE49-F238E27FC236}">
+                <a16:creationId xmlns:a16="http://schemas.microsoft.com/office/drawing/2014/main" id="{4E0A3FAA-EC90-1540-80AA-8031304592E9}"/>
+              </a:ext>
+            </a:extLst>
+          </p:cNvPr>
+          <p:cNvSpPr/>
+          <p:nvPr/>
+        </p:nvSpPr>
+        <p:spPr>
+          <a:xfrm>
+            <a:off x="363907" y="413799"/>
+            <a:ext cx="7421263" cy="5062383"/>
+          </a:xfrm>
+          <a:prstGeom prst="rect">
+            <a:avLst/>
+          </a:prstGeom>
+          <a:noFill/>
+          <a:ln w="12700">
+            <a:solidFill>
+              <a:schemeClr val="tx1"/>
+            </a:solidFill>
+          </a:ln>
+        </p:spPr>
+        <p:style>
+          <a:lnRef idx="2">
+            <a:schemeClr val="accent1">
+              <a:shade val="50000"/>
+            </a:schemeClr>
+          </a:lnRef>
+          <a:fillRef idx="1">
+            <a:schemeClr val="accent1"/>
+          </a:fillRef>
+          <a:effectRef idx="0">
+            <a:schemeClr val="accent1"/>
+          </a:effectRef>
+          <a:fontRef idx="minor">
+            <a:schemeClr val="lt1"/>
+          </a:fontRef>
+        </p:style>
+        <p:txBody>
+          <a:bodyPr rot="0" spcFirstLastPara="0" vertOverflow="overflow" horzOverflow="overflow" vert="horz" wrap="square" lIns="457200" tIns="91440" rIns="91440" bIns="45720" numCol="1" spcCol="0" rtlCol="0" fromWordArt="0" anchor="t" anchorCtr="0" forceAA="0" compatLnSpc="1">
+            <a:prstTxWarp prst="textNoShape">
+              <a:avLst/>
+            </a:prstTxWarp>
+            <a:noAutofit/>
+          </a:bodyPr>
+          <a:lstStyle/>
+          <a:p>
+            <a:pPr algn="l"/>
+            <a:r>
+              <a:rPr lang="en-US" sz="1200" dirty="0">
+                <a:solidFill>
+                  <a:sysClr val="windowText" lastClr="000000"/>
+                </a:solidFill>
+              </a:rPr>
+              <a:t>AWS Cloud</a:t>
+            </a:r>
+          </a:p>
+        </p:txBody>
+      </p:sp>
+      <p:pic>
+        <p:nvPicPr>
+          <p:cNvPr id="5" name="Graphic 4">
+            <a:extLst>
+              <a:ext uri="{FF2B5EF4-FFF2-40B4-BE49-F238E27FC236}">
+                <a16:creationId xmlns:a16="http://schemas.microsoft.com/office/drawing/2014/main" id="{F00CE123-2B60-F140-B515-49ED2A68CBD3}"/>
+              </a:ext>
+            </a:extLst>
+          </p:cNvPr>
+          <p:cNvPicPr>
+            <a:picLocks noChangeAspect="1"/>
+          </p:cNvPicPr>
+          <p:nvPr/>
+        </p:nvPicPr>
+        <p:blipFill>
+          <a:blip r:embed="rId2">
+            <a:extLst>
+              <a:ext uri="{96DAC541-7B7A-43D3-8B79-37D633B846F1}">
+                <asvg:svgBlip xmlns:asvg="http://schemas.microsoft.com/office/drawing/2016/SVG/main" r:embed="rId3"/>
+              </a:ext>
+            </a:extLst>
+          </a:blip>
+          <a:stretch>
+            <a:fillRect/>
+          </a:stretch>
+        </p:blipFill>
+        <p:spPr>
+          <a:xfrm>
+            <a:off x="363908" y="413800"/>
+            <a:ext cx="330200" cy="330200"/>
+          </a:xfrm>
+          <a:prstGeom prst="rect">
+            <a:avLst/>
+          </a:prstGeom>
+        </p:spPr>
+      </p:pic>
+      <p:sp>
+        <p:nvSpPr>
+          <p:cNvPr id="24" name="Rectangle 23">
+            <a:extLst>
+              <a:ext uri="{FF2B5EF4-FFF2-40B4-BE49-F238E27FC236}">
+                <a16:creationId xmlns:a16="http://schemas.microsoft.com/office/drawing/2014/main" id="{AE0616F4-0D85-436E-9D57-5DF4AF21C172}"/>
+              </a:ext>
+            </a:extLst>
+          </p:cNvPr>
+          <p:cNvSpPr/>
+          <p:nvPr/>
+        </p:nvSpPr>
+        <p:spPr>
+          <a:xfrm>
+            <a:off x="1866173" y="2548666"/>
+            <a:ext cx="4120566" cy="2488196"/>
+          </a:xfrm>
+          <a:prstGeom prst="rect">
+            <a:avLst/>
+          </a:prstGeom>
+          <a:noFill/>
+          <a:ln w="12700">
+            <a:solidFill>
+              <a:schemeClr val="tx1"/>
+            </a:solidFill>
+          </a:ln>
+        </p:spPr>
+        <p:style>
+          <a:lnRef idx="2">
+            <a:schemeClr val="accent1">
+              <a:shade val="50000"/>
+            </a:schemeClr>
+          </a:lnRef>
+          <a:fillRef idx="1">
+            <a:schemeClr val="accent1"/>
+          </a:fillRef>
+          <a:effectRef idx="0">
+            <a:schemeClr val="accent1"/>
+          </a:effectRef>
+          <a:fontRef idx="minor">
+            <a:schemeClr val="lt1"/>
+          </a:fontRef>
+        </p:style>
+        <p:txBody>
+          <a:bodyPr rot="0" spcFirstLastPara="0" vertOverflow="overflow" horzOverflow="overflow" vert="horz" wrap="square" lIns="457200" tIns="91440" rIns="91440" bIns="45720" numCol="1" spcCol="0" rtlCol="0" fromWordArt="0" anchor="t" anchorCtr="0" forceAA="0" compatLnSpc="1">
+            <a:prstTxWarp prst="textNoShape">
+              <a:avLst/>
+            </a:prstTxWarp>
+            <a:noAutofit/>
+          </a:bodyPr>
+          <a:lstStyle/>
+          <a:p>
+            <a:pPr algn="l"/>
+            <a:r>
+              <a:rPr lang="en-US" sz="1200" dirty="0">
+                <a:solidFill>
+                  <a:sysClr val="windowText" lastClr="000000"/>
+                </a:solidFill>
+              </a:rPr>
+              <a:t>EKS Cluster</a:t>
+            </a:r>
+          </a:p>
+        </p:txBody>
+      </p:sp>
+      <p:pic>
+        <p:nvPicPr>
+          <p:cNvPr id="35" name="Graphic 34">
+            <a:extLst>
+              <a:ext uri="{FF2B5EF4-FFF2-40B4-BE49-F238E27FC236}">
+                <a16:creationId xmlns:a16="http://schemas.microsoft.com/office/drawing/2014/main" id="{601138CF-1F06-46B8-AE61-FF6AF7833101}"/>
+              </a:ext>
+            </a:extLst>
+          </p:cNvPr>
+          <p:cNvPicPr>
+            <a:picLocks noChangeAspect="1"/>
+          </p:cNvPicPr>
+          <p:nvPr/>
+        </p:nvPicPr>
+        <p:blipFill>
+          <a:blip r:embed="rId4">
+            <a:extLst>
+              <a:ext uri="{96DAC541-7B7A-43D3-8B79-37D633B846F1}">
+                <asvg:svgBlip xmlns:asvg="http://schemas.microsoft.com/office/drawing/2016/SVG/main" r:embed="rId5"/>
+              </a:ext>
+            </a:extLst>
+          </a:blip>
+          <a:stretch>
+            <a:fillRect/>
+          </a:stretch>
+        </p:blipFill>
+        <p:spPr>
+          <a:xfrm>
+            <a:off x="1866173" y="2540791"/>
+            <a:ext cx="343092" cy="343092"/>
+          </a:xfrm>
+          <a:prstGeom prst="rect">
+            <a:avLst/>
+          </a:prstGeom>
+        </p:spPr>
+      </p:pic>
+      <p:sp>
+        <p:nvSpPr>
+          <p:cNvPr id="36" name="TextBox 8">
+            <a:extLst>
+              <a:ext uri="{FF2B5EF4-FFF2-40B4-BE49-F238E27FC236}">
+                <a16:creationId xmlns:a16="http://schemas.microsoft.com/office/drawing/2014/main" id="{D7ECF936-B8F2-B944-B1E5-0DC7D3F9AAB9}"/>
+              </a:ext>
+            </a:extLst>
+          </p:cNvPr>
+          <p:cNvSpPr txBox="1"/>
+          <p:nvPr/>
+        </p:nvSpPr>
+        <p:spPr>
+          <a:xfrm>
+            <a:off x="955403" y="1555182"/>
+            <a:ext cx="2301904" cy="738664"/>
+          </a:xfrm>
+          <a:prstGeom prst="rect">
+            <a:avLst/>
+          </a:prstGeom>
+          <a:noFill/>
+        </p:spPr>
+        <p:txBody>
+          <a:bodyPr wrap="square" rtlCol="0">
+            <a:spAutoFit/>
+          </a:bodyPr>
+          <a:lstStyle>
+            <a:defPPr>
+              <a:defRPr lang="en-US"/>
+            </a:defPPr>
+            <a:lvl1pPr marL="0" algn="l" defTabSz="914400" rtl="0" eaLnBrk="1" latinLnBrk="0" hangingPunct="1">
+              <a:defRPr sz="1800" kern="1200">
+                <a:solidFill>
+                  <a:schemeClr val="tx1"/>
+                </a:solidFill>
+                <a:latin typeface="+mn-lt"/>
+                <a:ea typeface="+mn-ea"/>
+                <a:cs typeface="+mn-cs"/>
+              </a:defRPr>
+            </a:lvl1pPr>
+            <a:lvl2pPr marL="457200" algn="l" defTabSz="914400" rtl="0" eaLnBrk="1" latinLnBrk="0" hangingPunct="1">
+              <a:defRPr sz="1800" kern="1200">
+                <a:solidFill>
+                  <a:schemeClr val="tx1"/>
+                </a:solidFill>
+                <a:latin typeface="+mn-lt"/>
+                <a:ea typeface="+mn-ea"/>
+                <a:cs typeface="+mn-cs"/>
+              </a:defRPr>
+            </a:lvl2pPr>
+            <a:lvl3pPr marL="914400" algn="l" defTabSz="914400" rtl="0" eaLnBrk="1" latinLnBrk="0" hangingPunct="1">
+              <a:defRPr sz="1800" kern="1200">
+                <a:solidFill>
+                  <a:schemeClr val="tx1"/>
+                </a:solidFill>
+                <a:latin typeface="+mn-lt"/>
+                <a:ea typeface="+mn-ea"/>
+                <a:cs typeface="+mn-cs"/>
+              </a:defRPr>
+            </a:lvl3pPr>
+            <a:lvl4pPr marL="1371600" algn="l" defTabSz="914400" rtl="0" eaLnBrk="1" latinLnBrk="0" hangingPunct="1">
+              <a:defRPr sz="1800" kern="1200">
+                <a:solidFill>
+                  <a:schemeClr val="tx1"/>
+                </a:solidFill>
+                <a:latin typeface="+mn-lt"/>
+                <a:ea typeface="+mn-ea"/>
+                <a:cs typeface="+mn-cs"/>
+              </a:defRPr>
+            </a:lvl4pPr>
+            <a:lvl5pPr marL="1828800" algn="l" defTabSz="914400" rtl="0" eaLnBrk="1" latinLnBrk="0" hangingPunct="1">
+              <a:defRPr sz="1800" kern="1200">
+                <a:solidFill>
+                  <a:schemeClr val="tx1"/>
+                </a:solidFill>
+                <a:latin typeface="+mn-lt"/>
+                <a:ea typeface="+mn-ea"/>
+                <a:cs typeface="+mn-cs"/>
+              </a:defRPr>
+            </a:lvl5pPr>
+            <a:lvl6pPr marL="2286000" algn="l" defTabSz="914400" rtl="0" eaLnBrk="1" latinLnBrk="0" hangingPunct="1">
+              <a:defRPr sz="1800" kern="1200">
+                <a:solidFill>
+                  <a:schemeClr val="tx1"/>
+                </a:solidFill>
+                <a:latin typeface="+mn-lt"/>
+                <a:ea typeface="+mn-ea"/>
+                <a:cs typeface="+mn-cs"/>
+              </a:defRPr>
+            </a:lvl6pPr>
+            <a:lvl7pPr marL="2743200" algn="l" defTabSz="914400" rtl="0" eaLnBrk="1" latinLnBrk="0" hangingPunct="1">
+              <a:defRPr sz="1800" kern="1200">
+                <a:solidFill>
+                  <a:schemeClr val="tx1"/>
+                </a:solidFill>
+                <a:latin typeface="+mn-lt"/>
+                <a:ea typeface="+mn-ea"/>
+                <a:cs typeface="+mn-cs"/>
+              </a:defRPr>
+            </a:lvl7pPr>
+            <a:lvl8pPr marL="3200400" algn="l" defTabSz="914400" rtl="0" eaLnBrk="1" latinLnBrk="0" hangingPunct="1">
+              <a:defRPr sz="1800" kern="1200">
+                <a:solidFill>
+                  <a:schemeClr val="tx1"/>
+                </a:solidFill>
+                <a:latin typeface="+mn-lt"/>
+                <a:ea typeface="+mn-ea"/>
+                <a:cs typeface="+mn-cs"/>
+              </a:defRPr>
+            </a:lvl8pPr>
+            <a:lvl9pPr marL="3657600" algn="l" defTabSz="914400" rtl="0" eaLnBrk="1" latinLnBrk="0" hangingPunct="1">
+              <a:defRPr sz="1800" kern="1200">
+                <a:solidFill>
+                  <a:schemeClr val="tx1"/>
+                </a:solidFill>
+                <a:latin typeface="+mn-lt"/>
+                <a:ea typeface="+mn-ea"/>
+                <a:cs typeface="+mn-cs"/>
+              </a:defRPr>
+            </a:lvl9pPr>
+          </a:lstStyle>
+          <a:p>
+            <a:pPr algn="ctr"/>
+            <a:r>
+              <a:rPr lang="en-US" sz="1400" dirty="0"/>
+              <a:t>RDS secret from</a:t>
+            </a:r>
+          </a:p>
+          <a:p>
+            <a:pPr algn="ctr"/>
+            <a:r>
+              <a:rPr lang="en-US" sz="1400" dirty="0"/>
+              <a:t>AWS Secrets Manager</a:t>
+            </a:r>
+          </a:p>
+          <a:p>
+            <a:pPr algn="ctr"/>
+            <a:r>
+              <a:rPr lang="en-US" sz="1400" dirty="0"/>
+              <a:t>(autogenerated by CDK)</a:t>
+            </a:r>
+          </a:p>
+        </p:txBody>
+      </p:sp>
+      <p:pic>
+        <p:nvPicPr>
+          <p:cNvPr id="37" name="Graphic 20">
+            <a:extLst>
+              <a:ext uri="{FF2B5EF4-FFF2-40B4-BE49-F238E27FC236}">
+                <a16:creationId xmlns:a16="http://schemas.microsoft.com/office/drawing/2014/main" id="{28B94778-37E1-254E-8874-BE0768E5E59C}"/>
+              </a:ext>
+            </a:extLst>
+          </p:cNvPr>
+          <p:cNvPicPr>
+            <a:picLocks noChangeAspect="1"/>
+          </p:cNvPicPr>
+          <p:nvPr/>
+        </p:nvPicPr>
+        <p:blipFill>
+          <a:blip r:embed="rId6">
+            <a:extLst>
+              <a:ext uri="{96DAC541-7B7A-43D3-8B79-37D633B846F1}">
+                <asvg:svgBlip xmlns:asvg="http://schemas.microsoft.com/office/drawing/2016/SVG/main" r:embed="rId7"/>
+              </a:ext>
+            </a:extLst>
+          </a:blip>
+          <a:stretch>
+            <a:fillRect/>
+          </a:stretch>
+        </p:blipFill>
+        <p:spPr>
+          <a:xfrm>
+            <a:off x="1750755" y="833280"/>
+            <a:ext cx="711200" cy="711200"/>
+          </a:xfrm>
+          <a:prstGeom prst="rect">
+            <a:avLst/>
+          </a:prstGeom>
+        </p:spPr>
+      </p:pic>
+      <p:sp>
+        <p:nvSpPr>
+          <p:cNvPr id="2" name="Rectangle 1">
+            <a:extLst>
+              <a:ext uri="{FF2B5EF4-FFF2-40B4-BE49-F238E27FC236}">
+                <a16:creationId xmlns:a16="http://schemas.microsoft.com/office/drawing/2014/main" id="{690DE8BC-E2BE-44CF-81F5-9AE7A3560B09}"/>
+              </a:ext>
+            </a:extLst>
+          </p:cNvPr>
+          <p:cNvSpPr/>
+          <p:nvPr/>
+        </p:nvSpPr>
+        <p:spPr>
+          <a:xfrm>
+            <a:off x="2290715" y="3047843"/>
+            <a:ext cx="820005" cy="772530"/>
+          </a:xfrm>
+          <a:prstGeom prst="rect">
+            <a:avLst/>
+          </a:prstGeom>
+          <a:solidFill>
+            <a:schemeClr val="bg1"/>
+          </a:solidFill>
+          <a:ln>
+            <a:solidFill>
+              <a:schemeClr val="tx1"/>
+            </a:solidFill>
+          </a:ln>
+        </p:spPr>
+        <p:style>
+          <a:lnRef idx="2">
+            <a:schemeClr val="accent1">
+              <a:shade val="50000"/>
+            </a:schemeClr>
+          </a:lnRef>
+          <a:fillRef idx="1">
+            <a:schemeClr val="accent1"/>
+          </a:fillRef>
+          <a:effectRef idx="0">
+            <a:schemeClr val="accent1"/>
+          </a:effectRef>
+          <a:fontRef idx="minor">
+            <a:schemeClr val="lt1"/>
+          </a:fontRef>
+        </p:style>
+        <p:txBody>
+          <a:bodyPr rtlCol="0" anchor="ctr"/>
+          <a:lstStyle/>
+          <a:p>
+            <a:pPr algn="ctr"/>
+            <a:r>
+              <a:rPr lang="en-AU" sz="1200" dirty="0">
+                <a:solidFill>
+                  <a:schemeClr val="tx1"/>
+                </a:solidFill>
+              </a:rPr>
+              <a:t>External Secrets Controller</a:t>
+            </a:r>
+          </a:p>
+        </p:txBody>
+      </p:sp>
+      <p:sp>
+        <p:nvSpPr>
+          <p:cNvPr id="38" name="TextBox 14">
+            <a:extLst>
+              <a:ext uri="{FF2B5EF4-FFF2-40B4-BE49-F238E27FC236}">
+                <a16:creationId xmlns:a16="http://schemas.microsoft.com/office/drawing/2014/main" id="{70F1D858-0A61-B249-BFE8-EC03E7D2639D}"/>
+              </a:ext>
+            </a:extLst>
+          </p:cNvPr>
+          <p:cNvSpPr txBox="1"/>
+          <p:nvPr/>
+        </p:nvSpPr>
+        <p:spPr>
+          <a:xfrm>
+            <a:off x="5068337" y="1555182"/>
+            <a:ext cx="2301904" cy="738664"/>
+          </a:xfrm>
+          <a:prstGeom prst="rect">
+            <a:avLst/>
+          </a:prstGeom>
+          <a:noFill/>
+        </p:spPr>
+        <p:txBody>
+          <a:bodyPr wrap="square" rtlCol="0">
+            <a:spAutoFit/>
+          </a:bodyPr>
+          <a:lstStyle>
+            <a:defPPr>
+              <a:defRPr lang="en-US"/>
+            </a:defPPr>
+            <a:lvl1pPr marL="0" algn="l" defTabSz="914400" rtl="0" eaLnBrk="1" latinLnBrk="0" hangingPunct="1">
+              <a:defRPr sz="1800" kern="1200">
+                <a:solidFill>
+                  <a:schemeClr val="tx1"/>
+                </a:solidFill>
+                <a:latin typeface="+mn-lt"/>
+                <a:ea typeface="+mn-ea"/>
+                <a:cs typeface="+mn-cs"/>
+              </a:defRPr>
+            </a:lvl1pPr>
+            <a:lvl2pPr marL="457200" algn="l" defTabSz="914400" rtl="0" eaLnBrk="1" latinLnBrk="0" hangingPunct="1">
+              <a:defRPr sz="1800" kern="1200">
+                <a:solidFill>
+                  <a:schemeClr val="tx1"/>
+                </a:solidFill>
+                <a:latin typeface="+mn-lt"/>
+                <a:ea typeface="+mn-ea"/>
+                <a:cs typeface="+mn-cs"/>
+              </a:defRPr>
+            </a:lvl2pPr>
+            <a:lvl3pPr marL="914400" algn="l" defTabSz="914400" rtl="0" eaLnBrk="1" latinLnBrk="0" hangingPunct="1">
+              <a:defRPr sz="1800" kern="1200">
+                <a:solidFill>
+                  <a:schemeClr val="tx1"/>
+                </a:solidFill>
+                <a:latin typeface="+mn-lt"/>
+                <a:ea typeface="+mn-ea"/>
+                <a:cs typeface="+mn-cs"/>
+              </a:defRPr>
+            </a:lvl3pPr>
+            <a:lvl4pPr marL="1371600" algn="l" defTabSz="914400" rtl="0" eaLnBrk="1" latinLnBrk="0" hangingPunct="1">
+              <a:defRPr sz="1800" kern="1200">
+                <a:solidFill>
+                  <a:schemeClr val="tx1"/>
+                </a:solidFill>
+                <a:latin typeface="+mn-lt"/>
+                <a:ea typeface="+mn-ea"/>
+                <a:cs typeface="+mn-cs"/>
+              </a:defRPr>
+            </a:lvl4pPr>
+            <a:lvl5pPr marL="1828800" algn="l" defTabSz="914400" rtl="0" eaLnBrk="1" latinLnBrk="0" hangingPunct="1">
+              <a:defRPr sz="1800" kern="1200">
+                <a:solidFill>
+                  <a:schemeClr val="tx1"/>
+                </a:solidFill>
+                <a:latin typeface="+mn-lt"/>
+                <a:ea typeface="+mn-ea"/>
+                <a:cs typeface="+mn-cs"/>
+              </a:defRPr>
+            </a:lvl5pPr>
+            <a:lvl6pPr marL="2286000" algn="l" defTabSz="914400" rtl="0" eaLnBrk="1" latinLnBrk="0" hangingPunct="1">
+              <a:defRPr sz="1800" kern="1200">
+                <a:solidFill>
+                  <a:schemeClr val="tx1"/>
+                </a:solidFill>
+                <a:latin typeface="+mn-lt"/>
+                <a:ea typeface="+mn-ea"/>
+                <a:cs typeface="+mn-cs"/>
+              </a:defRPr>
+            </a:lvl6pPr>
+            <a:lvl7pPr marL="2743200" algn="l" defTabSz="914400" rtl="0" eaLnBrk="1" latinLnBrk="0" hangingPunct="1">
+              <a:defRPr sz="1800" kern="1200">
+                <a:solidFill>
+                  <a:schemeClr val="tx1"/>
+                </a:solidFill>
+                <a:latin typeface="+mn-lt"/>
+                <a:ea typeface="+mn-ea"/>
+                <a:cs typeface="+mn-cs"/>
+              </a:defRPr>
+            </a:lvl7pPr>
+            <a:lvl8pPr marL="3200400" algn="l" defTabSz="914400" rtl="0" eaLnBrk="1" latinLnBrk="0" hangingPunct="1">
+              <a:defRPr sz="1800" kern="1200">
+                <a:solidFill>
+                  <a:schemeClr val="tx1"/>
+                </a:solidFill>
+                <a:latin typeface="+mn-lt"/>
+                <a:ea typeface="+mn-ea"/>
+                <a:cs typeface="+mn-cs"/>
+              </a:defRPr>
+            </a:lvl8pPr>
+            <a:lvl9pPr marL="3657600" algn="l" defTabSz="914400" rtl="0" eaLnBrk="1" latinLnBrk="0" hangingPunct="1">
+              <a:defRPr sz="1800" kern="1200">
+                <a:solidFill>
+                  <a:schemeClr val="tx1"/>
+                </a:solidFill>
+                <a:latin typeface="+mn-lt"/>
+                <a:ea typeface="+mn-ea"/>
+                <a:cs typeface="+mn-cs"/>
+              </a:defRPr>
+            </a:lvl9pPr>
+          </a:lstStyle>
+          <a:p>
+            <a:pPr algn="ctr"/>
+            <a:r>
+              <a:rPr lang="en-US" sz="1400" dirty="0"/>
+              <a:t>Amazon Route 53</a:t>
+            </a:r>
+          </a:p>
+          <a:p>
+            <a:pPr algn="ctr"/>
+            <a:r>
+              <a:rPr lang="en-US" sz="1400" dirty="0"/>
+              <a:t>(CNAME created/managed by external DNS controller)</a:t>
+            </a:r>
+          </a:p>
+        </p:txBody>
+      </p:sp>
+      <p:pic>
+        <p:nvPicPr>
+          <p:cNvPr id="41" name="Graphic 41">
+            <a:extLst>
+              <a:ext uri="{FF2B5EF4-FFF2-40B4-BE49-F238E27FC236}">
+                <a16:creationId xmlns:a16="http://schemas.microsoft.com/office/drawing/2014/main" id="{5B1FEEC0-A82C-C940-A6B4-4A85ED521E63}"/>
+              </a:ext>
+            </a:extLst>
+          </p:cNvPr>
+          <p:cNvPicPr>
+            <a:picLocks noChangeAspect="1"/>
+          </p:cNvPicPr>
+          <p:nvPr/>
+        </p:nvPicPr>
+        <p:blipFill>
+          <a:blip r:embed="rId8">
+            <a:extLst>
+              <a:ext uri="{96DAC541-7B7A-43D3-8B79-37D633B846F1}">
+                <asvg:svgBlip xmlns:asvg="http://schemas.microsoft.com/office/drawing/2016/SVG/main" r:embed="rId9"/>
+              </a:ext>
+            </a:extLst>
+          </a:blip>
+          <a:stretch>
+            <a:fillRect/>
+          </a:stretch>
+        </p:blipFill>
+        <p:spPr>
+          <a:xfrm>
+            <a:off x="5863689" y="779568"/>
+            <a:ext cx="711200" cy="711200"/>
+          </a:xfrm>
+          <a:prstGeom prst="rect">
+            <a:avLst/>
+          </a:prstGeom>
+        </p:spPr>
+      </p:pic>
+      <p:sp>
+        <p:nvSpPr>
+          <p:cNvPr id="42" name="TextBox 25">
+            <a:extLst>
+              <a:ext uri="{FF2B5EF4-FFF2-40B4-BE49-F238E27FC236}">
+                <a16:creationId xmlns:a16="http://schemas.microsoft.com/office/drawing/2014/main" id="{DB5AB4A0-5E43-3041-8AB6-2A393FABA155}"/>
+              </a:ext>
+            </a:extLst>
+          </p:cNvPr>
+          <p:cNvSpPr txBox="1"/>
+          <p:nvPr/>
+        </p:nvSpPr>
+        <p:spPr>
+          <a:xfrm>
+            <a:off x="2800489" y="1577014"/>
+            <a:ext cx="2588569" cy="738664"/>
+          </a:xfrm>
+          <a:prstGeom prst="rect">
+            <a:avLst/>
+          </a:prstGeom>
+          <a:noFill/>
+        </p:spPr>
+        <p:txBody>
+          <a:bodyPr wrap="square" rtlCol="0">
+            <a:spAutoFit/>
+          </a:bodyPr>
+          <a:lstStyle>
+            <a:defPPr>
+              <a:defRPr lang="en-US"/>
+            </a:defPPr>
+            <a:lvl1pPr marL="0" algn="l" defTabSz="914400" rtl="0" eaLnBrk="1" latinLnBrk="0" hangingPunct="1">
+              <a:defRPr sz="1800" kern="1200">
+                <a:solidFill>
+                  <a:schemeClr val="tx1"/>
+                </a:solidFill>
+                <a:latin typeface="+mn-lt"/>
+                <a:ea typeface="+mn-ea"/>
+                <a:cs typeface="+mn-cs"/>
+              </a:defRPr>
+            </a:lvl1pPr>
+            <a:lvl2pPr marL="457200" algn="l" defTabSz="914400" rtl="0" eaLnBrk="1" latinLnBrk="0" hangingPunct="1">
+              <a:defRPr sz="1800" kern="1200">
+                <a:solidFill>
+                  <a:schemeClr val="tx1"/>
+                </a:solidFill>
+                <a:latin typeface="+mn-lt"/>
+                <a:ea typeface="+mn-ea"/>
+                <a:cs typeface="+mn-cs"/>
+              </a:defRPr>
+            </a:lvl2pPr>
+            <a:lvl3pPr marL="914400" algn="l" defTabSz="914400" rtl="0" eaLnBrk="1" latinLnBrk="0" hangingPunct="1">
+              <a:defRPr sz="1800" kern="1200">
+                <a:solidFill>
+                  <a:schemeClr val="tx1"/>
+                </a:solidFill>
+                <a:latin typeface="+mn-lt"/>
+                <a:ea typeface="+mn-ea"/>
+                <a:cs typeface="+mn-cs"/>
+              </a:defRPr>
+            </a:lvl3pPr>
+            <a:lvl4pPr marL="1371600" algn="l" defTabSz="914400" rtl="0" eaLnBrk="1" latinLnBrk="0" hangingPunct="1">
+              <a:defRPr sz="1800" kern="1200">
+                <a:solidFill>
+                  <a:schemeClr val="tx1"/>
+                </a:solidFill>
+                <a:latin typeface="+mn-lt"/>
+                <a:ea typeface="+mn-ea"/>
+                <a:cs typeface="+mn-cs"/>
+              </a:defRPr>
+            </a:lvl4pPr>
+            <a:lvl5pPr marL="1828800" algn="l" defTabSz="914400" rtl="0" eaLnBrk="1" latinLnBrk="0" hangingPunct="1">
+              <a:defRPr sz="1800" kern="1200">
+                <a:solidFill>
+                  <a:schemeClr val="tx1"/>
+                </a:solidFill>
+                <a:latin typeface="+mn-lt"/>
+                <a:ea typeface="+mn-ea"/>
+                <a:cs typeface="+mn-cs"/>
+              </a:defRPr>
+            </a:lvl5pPr>
+            <a:lvl6pPr marL="2286000" algn="l" defTabSz="914400" rtl="0" eaLnBrk="1" latinLnBrk="0" hangingPunct="1">
+              <a:defRPr sz="1800" kern="1200">
+                <a:solidFill>
+                  <a:schemeClr val="tx1"/>
+                </a:solidFill>
+                <a:latin typeface="+mn-lt"/>
+                <a:ea typeface="+mn-ea"/>
+                <a:cs typeface="+mn-cs"/>
+              </a:defRPr>
+            </a:lvl6pPr>
+            <a:lvl7pPr marL="2743200" algn="l" defTabSz="914400" rtl="0" eaLnBrk="1" latinLnBrk="0" hangingPunct="1">
+              <a:defRPr sz="1800" kern="1200">
+                <a:solidFill>
+                  <a:schemeClr val="tx1"/>
+                </a:solidFill>
+                <a:latin typeface="+mn-lt"/>
+                <a:ea typeface="+mn-ea"/>
+                <a:cs typeface="+mn-cs"/>
+              </a:defRPr>
+            </a:lvl7pPr>
+            <a:lvl8pPr marL="3200400" algn="l" defTabSz="914400" rtl="0" eaLnBrk="1" latinLnBrk="0" hangingPunct="1">
+              <a:defRPr sz="1800" kern="1200">
+                <a:solidFill>
+                  <a:schemeClr val="tx1"/>
+                </a:solidFill>
+                <a:latin typeface="+mn-lt"/>
+                <a:ea typeface="+mn-ea"/>
+                <a:cs typeface="+mn-cs"/>
+              </a:defRPr>
+            </a:lvl8pPr>
+            <a:lvl9pPr marL="3657600" algn="l" defTabSz="914400" rtl="0" eaLnBrk="1" latinLnBrk="0" hangingPunct="1">
+              <a:defRPr sz="1800" kern="1200">
+                <a:solidFill>
+                  <a:schemeClr val="tx1"/>
+                </a:solidFill>
+                <a:latin typeface="+mn-lt"/>
+                <a:ea typeface="+mn-ea"/>
+                <a:cs typeface="+mn-cs"/>
+              </a:defRPr>
+            </a:lvl9pPr>
+          </a:lstStyle>
+          <a:p>
+            <a:pPr algn="ctr"/>
+            <a:r>
+              <a:rPr lang="en-US" sz="1400" dirty="0"/>
+              <a:t>Application Load Balancer</a:t>
+            </a:r>
+          </a:p>
+          <a:p>
+            <a:pPr algn="ctr"/>
+            <a:r>
+              <a:rPr lang="en-US" sz="1400" dirty="0"/>
+              <a:t>(created/managed by ingress controller exposing pod(s))</a:t>
+            </a:r>
+          </a:p>
+        </p:txBody>
+      </p:sp>
+      <p:pic>
+        <p:nvPicPr>
+          <p:cNvPr id="43" name="Graphic 16">
+            <a:extLst>
+              <a:ext uri="{FF2B5EF4-FFF2-40B4-BE49-F238E27FC236}">
+                <a16:creationId xmlns:a16="http://schemas.microsoft.com/office/drawing/2014/main" id="{AFF3E384-5323-E34C-B993-B4799080787C}"/>
+              </a:ext>
+            </a:extLst>
+          </p:cNvPr>
+          <p:cNvPicPr>
+            <a:picLocks noChangeAspect="1"/>
+          </p:cNvPicPr>
+          <p:nvPr/>
+        </p:nvPicPr>
+        <p:blipFill>
+          <a:blip r:embed="rId10">
+            <a:extLst>
+              <a:ext uri="{96DAC541-7B7A-43D3-8B79-37D633B846F1}">
+                <asvg:svgBlip xmlns:asvg="http://schemas.microsoft.com/office/drawing/2016/SVG/main" r:embed="rId11"/>
+              </a:ext>
+            </a:extLst>
+          </a:blip>
+          <a:stretch>
+            <a:fillRect/>
+          </a:stretch>
+        </p:blipFill>
+        <p:spPr>
+          <a:xfrm>
+            <a:off x="3859824" y="1111775"/>
+            <a:ext cx="469900" cy="469900"/>
+          </a:xfrm>
+          <a:prstGeom prst="rect">
+            <a:avLst/>
+          </a:prstGeom>
+        </p:spPr>
+      </p:pic>
+      <p:sp>
+        <p:nvSpPr>
+          <p:cNvPr id="44" name="Rectangle 43">
+            <a:extLst>
+              <a:ext uri="{FF2B5EF4-FFF2-40B4-BE49-F238E27FC236}">
+                <a16:creationId xmlns:a16="http://schemas.microsoft.com/office/drawing/2014/main" id="{CD2FA685-7354-4DB6-AF30-7058EF45E7A7}"/>
+              </a:ext>
+            </a:extLst>
+          </p:cNvPr>
+          <p:cNvSpPr/>
+          <p:nvPr/>
+        </p:nvSpPr>
+        <p:spPr>
+          <a:xfrm>
+            <a:off x="3496069" y="3047843"/>
+            <a:ext cx="820005" cy="772530"/>
+          </a:xfrm>
+          <a:prstGeom prst="rect">
+            <a:avLst/>
+          </a:prstGeom>
+          <a:solidFill>
+            <a:schemeClr val="bg1"/>
+          </a:solidFill>
+          <a:ln>
+            <a:solidFill>
+              <a:schemeClr val="tx1"/>
+            </a:solidFill>
+          </a:ln>
+        </p:spPr>
+        <p:style>
+          <a:lnRef idx="2">
+            <a:schemeClr val="accent1">
+              <a:shade val="50000"/>
+            </a:schemeClr>
+          </a:lnRef>
+          <a:fillRef idx="1">
+            <a:schemeClr val="accent1"/>
+          </a:fillRef>
+          <a:effectRef idx="0">
+            <a:schemeClr val="accent1"/>
+          </a:effectRef>
+          <a:fontRef idx="minor">
+            <a:schemeClr val="lt1"/>
+          </a:fontRef>
+        </p:style>
+        <p:txBody>
+          <a:bodyPr rtlCol="0" anchor="ctr"/>
+          <a:lstStyle/>
+          <a:p>
+            <a:pPr algn="ctr"/>
+            <a:r>
+              <a:rPr lang="en-AU" sz="1200" dirty="0">
+                <a:solidFill>
+                  <a:schemeClr val="tx1"/>
+                </a:solidFill>
+              </a:rPr>
+              <a:t>ALB Ingress Controller</a:t>
+            </a:r>
+          </a:p>
+        </p:txBody>
+      </p:sp>
+      <p:sp>
+        <p:nvSpPr>
+          <p:cNvPr id="45" name="Rectangle 44">
+            <a:extLst>
+              <a:ext uri="{FF2B5EF4-FFF2-40B4-BE49-F238E27FC236}">
+                <a16:creationId xmlns:a16="http://schemas.microsoft.com/office/drawing/2014/main" id="{E176B6CB-25A8-4D78-9B97-7A1A85DAE5A0}"/>
+              </a:ext>
+            </a:extLst>
+          </p:cNvPr>
+          <p:cNvSpPr/>
+          <p:nvPr/>
+        </p:nvSpPr>
+        <p:spPr>
+          <a:xfrm>
+            <a:off x="4658833" y="3060457"/>
+            <a:ext cx="820005" cy="772530"/>
+          </a:xfrm>
+          <a:prstGeom prst="rect">
+            <a:avLst/>
+          </a:prstGeom>
+          <a:solidFill>
+            <a:schemeClr val="bg1"/>
+          </a:solidFill>
+          <a:ln>
+            <a:solidFill>
+              <a:schemeClr val="tx1"/>
+            </a:solidFill>
+          </a:ln>
+        </p:spPr>
+        <p:style>
+          <a:lnRef idx="2">
+            <a:schemeClr val="accent1">
+              <a:shade val="50000"/>
+            </a:schemeClr>
+          </a:lnRef>
+          <a:fillRef idx="1">
+            <a:schemeClr val="accent1"/>
+          </a:fillRef>
+          <a:effectRef idx="0">
+            <a:schemeClr val="accent1"/>
+          </a:effectRef>
+          <a:fontRef idx="minor">
+            <a:schemeClr val="lt1"/>
+          </a:fontRef>
+        </p:style>
+        <p:txBody>
+          <a:bodyPr rtlCol="0" anchor="ctr"/>
+          <a:lstStyle/>
+          <a:p>
+            <a:pPr algn="ctr"/>
+            <a:r>
+              <a:rPr lang="en-AU" sz="1200" dirty="0">
+                <a:solidFill>
+                  <a:schemeClr val="tx1"/>
+                </a:solidFill>
+              </a:rPr>
+              <a:t>External DNS Controller</a:t>
+            </a:r>
+          </a:p>
+        </p:txBody>
+      </p:sp>
+      <p:sp>
+        <p:nvSpPr>
+          <p:cNvPr id="46" name="Rectangle 45">
+            <a:extLst>
+              <a:ext uri="{FF2B5EF4-FFF2-40B4-BE49-F238E27FC236}">
+                <a16:creationId xmlns:a16="http://schemas.microsoft.com/office/drawing/2014/main" id="{F592A2BF-B652-46DF-9439-2523A0CF4734}"/>
+              </a:ext>
+            </a:extLst>
+          </p:cNvPr>
+          <p:cNvSpPr/>
+          <p:nvPr/>
+        </p:nvSpPr>
+        <p:spPr>
+          <a:xfrm>
+            <a:off x="2290715" y="4100281"/>
+            <a:ext cx="820005" cy="772530"/>
+          </a:xfrm>
+          <a:prstGeom prst="rect">
+            <a:avLst/>
+          </a:prstGeom>
+          <a:solidFill>
+            <a:schemeClr val="bg1"/>
+          </a:solidFill>
+          <a:ln>
+            <a:solidFill>
+              <a:schemeClr val="tx1"/>
+            </a:solidFill>
+          </a:ln>
+        </p:spPr>
+        <p:style>
+          <a:lnRef idx="2">
+            <a:schemeClr val="accent1">
+              <a:shade val="50000"/>
+            </a:schemeClr>
+          </a:lnRef>
+          <a:fillRef idx="1">
+            <a:schemeClr val="accent1"/>
+          </a:fillRef>
+          <a:effectRef idx="0">
+            <a:schemeClr val="accent1"/>
+          </a:effectRef>
+          <a:fontRef idx="minor">
+            <a:schemeClr val="lt1"/>
+          </a:fontRef>
+        </p:style>
+        <p:txBody>
+          <a:bodyPr rtlCol="0" anchor="ctr"/>
+          <a:lstStyle/>
+          <a:p>
+            <a:pPr algn="ctr"/>
+            <a:r>
+              <a:rPr lang="en-AU" sz="1200" dirty="0">
+                <a:solidFill>
+                  <a:schemeClr val="tx1"/>
+                </a:solidFill>
+              </a:rPr>
+              <a:t>ghost-database k8s secret</a:t>
+            </a:r>
+          </a:p>
+        </p:txBody>
+      </p:sp>
+      <p:sp>
+        <p:nvSpPr>
+          <p:cNvPr id="47" name="Rectangle 46">
+            <a:extLst>
+              <a:ext uri="{FF2B5EF4-FFF2-40B4-BE49-F238E27FC236}">
+                <a16:creationId xmlns:a16="http://schemas.microsoft.com/office/drawing/2014/main" id="{3BD5B611-A6F5-42A0-B26F-8B03169C3C99}"/>
+              </a:ext>
+            </a:extLst>
+          </p:cNvPr>
+          <p:cNvSpPr/>
+          <p:nvPr/>
+        </p:nvSpPr>
+        <p:spPr>
+          <a:xfrm>
+            <a:off x="3496068" y="4100281"/>
+            <a:ext cx="820005" cy="772530"/>
+          </a:xfrm>
+          <a:prstGeom prst="rect">
+            <a:avLst/>
+          </a:prstGeom>
+          <a:solidFill>
+            <a:schemeClr val="bg1"/>
+          </a:solidFill>
+          <a:ln>
+            <a:solidFill>
+              <a:schemeClr val="tx1"/>
+            </a:solidFill>
+          </a:ln>
+        </p:spPr>
+        <p:style>
+          <a:lnRef idx="2">
+            <a:schemeClr val="accent1">
+              <a:shade val="50000"/>
+            </a:schemeClr>
+          </a:lnRef>
+          <a:fillRef idx="1">
+            <a:schemeClr val="accent1"/>
+          </a:fillRef>
+          <a:effectRef idx="0">
+            <a:schemeClr val="accent1"/>
+          </a:effectRef>
+          <a:fontRef idx="minor">
+            <a:schemeClr val="lt1"/>
+          </a:fontRef>
+        </p:style>
+        <p:txBody>
+          <a:bodyPr rtlCol="0" anchor="ctr"/>
+          <a:lstStyle/>
+          <a:p>
+            <a:pPr algn="ctr"/>
+            <a:r>
+              <a:rPr lang="en-AU" sz="1200" dirty="0">
+                <a:solidFill>
+                  <a:schemeClr val="tx1"/>
+                </a:solidFill>
+              </a:rPr>
+              <a:t>ghost pod(s)</a:t>
+            </a:r>
+          </a:p>
+        </p:txBody>
+      </p:sp>
+      <p:sp>
+        <p:nvSpPr>
+          <p:cNvPr id="48" name="Rectangle 47">
+            <a:extLst>
+              <a:ext uri="{FF2B5EF4-FFF2-40B4-BE49-F238E27FC236}">
+                <a16:creationId xmlns:a16="http://schemas.microsoft.com/office/drawing/2014/main" id="{3F9C286C-014A-4EF4-B999-8405CF49291C}"/>
+              </a:ext>
+            </a:extLst>
+          </p:cNvPr>
+          <p:cNvSpPr/>
+          <p:nvPr/>
+        </p:nvSpPr>
+        <p:spPr>
+          <a:xfrm>
+            <a:off x="4658832" y="4100281"/>
+            <a:ext cx="820005" cy="772530"/>
+          </a:xfrm>
+          <a:prstGeom prst="rect">
+            <a:avLst/>
+          </a:prstGeom>
+          <a:solidFill>
+            <a:schemeClr val="bg1"/>
+          </a:solidFill>
+          <a:ln>
+            <a:solidFill>
+              <a:schemeClr val="tx1"/>
+            </a:solidFill>
+          </a:ln>
+        </p:spPr>
+        <p:style>
+          <a:lnRef idx="2">
+            <a:schemeClr val="accent1">
+              <a:shade val="50000"/>
+            </a:schemeClr>
+          </a:lnRef>
+          <a:fillRef idx="1">
+            <a:schemeClr val="accent1"/>
+          </a:fillRef>
+          <a:effectRef idx="0">
+            <a:schemeClr val="accent1"/>
+          </a:effectRef>
+          <a:fontRef idx="minor">
+            <a:schemeClr val="lt1"/>
+          </a:fontRef>
+        </p:style>
+        <p:txBody>
+          <a:bodyPr rtlCol="0" anchor="ctr"/>
+          <a:lstStyle/>
+          <a:p>
+            <a:pPr algn="ctr"/>
+            <a:r>
+              <a:rPr lang="en-AU" sz="1200" dirty="0">
+                <a:solidFill>
+                  <a:schemeClr val="tx1"/>
+                </a:solidFill>
+              </a:rPr>
+              <a:t>ghost ingress</a:t>
+            </a:r>
+          </a:p>
+        </p:txBody>
+      </p:sp>
+      <p:cxnSp>
+        <p:nvCxnSpPr>
+          <p:cNvPr id="49" name="Straight Arrow Connector 19">
+            <a:extLst>
+              <a:ext uri="{FF2B5EF4-FFF2-40B4-BE49-F238E27FC236}">
+                <a16:creationId xmlns:a16="http://schemas.microsoft.com/office/drawing/2014/main" id="{F0047EC9-C45D-4260-8103-7B29A1E2C6EA}"/>
+              </a:ext>
+            </a:extLst>
+          </p:cNvPr>
+          <p:cNvCxnSpPr>
+            <a:cxnSpLocks/>
+            <a:stCxn id="37" idx="1"/>
+            <a:endCxn id="2" idx="1"/>
+          </p:cNvCxnSpPr>
+          <p:nvPr/>
+        </p:nvCxnSpPr>
+        <p:spPr>
+          <a:xfrm rot="10800000" flipH="1" flipV="1">
+            <a:off x="1750755" y="1188880"/>
+            <a:ext cx="539960" cy="2245228"/>
+          </a:xfrm>
+          <a:prstGeom prst="bentConnector3">
+            <a:avLst>
+              <a:gd name="adj1" fmla="val -135051"/>
+            </a:avLst>
+          </a:prstGeom>
+          <a:ln w="12700">
+            <a:solidFill>
+              <a:schemeClr val="tx2"/>
+            </a:solidFill>
+            <a:headEnd type="none" w="med" len="sm"/>
+            <a:tailEnd type="arrow" w="med" len="sm"/>
+          </a:ln>
+        </p:spPr>
+        <p:style>
+          <a:lnRef idx="1">
+            <a:schemeClr val="accent1"/>
+          </a:lnRef>
+          <a:fillRef idx="0">
+            <a:schemeClr val="accent1"/>
+          </a:fillRef>
+          <a:effectRef idx="0">
+            <a:schemeClr val="accent1"/>
+          </a:effectRef>
+          <a:fontRef idx="minor">
+            <a:schemeClr val="tx1"/>
+          </a:fontRef>
+        </p:style>
+      </p:cxnSp>
+      <p:cxnSp>
+        <p:nvCxnSpPr>
+          <p:cNvPr id="51" name="Straight Arrow Connector 50">
+            <a:extLst>
+              <a:ext uri="{FF2B5EF4-FFF2-40B4-BE49-F238E27FC236}">
+                <a16:creationId xmlns:a16="http://schemas.microsoft.com/office/drawing/2014/main" id="{CE718C9B-E206-4A8D-AB6E-F67F31558FE5}"/>
+              </a:ext>
+            </a:extLst>
+          </p:cNvPr>
+          <p:cNvCxnSpPr>
+            <a:cxnSpLocks/>
+            <a:stCxn id="2" idx="2"/>
+            <a:endCxn id="46" idx="0"/>
+          </p:cNvCxnSpPr>
+          <p:nvPr/>
+        </p:nvCxnSpPr>
+        <p:spPr>
+          <a:xfrm>
+            <a:off x="2700718" y="3820373"/>
+            <a:ext cx="0" cy="279908"/>
+          </a:xfrm>
+          <a:prstGeom prst="straightConnector1">
+            <a:avLst/>
+          </a:prstGeom>
+          <a:ln w="12700">
+            <a:solidFill>
+              <a:schemeClr val="tx2"/>
+            </a:solidFill>
+            <a:headEnd type="none" w="med" len="sm"/>
+            <a:tailEnd type="arrow" w="med" len="sm"/>
+          </a:ln>
+        </p:spPr>
+        <p:style>
+          <a:lnRef idx="1">
+            <a:schemeClr val="accent1"/>
+          </a:lnRef>
+          <a:fillRef idx="0">
+            <a:schemeClr val="accent1"/>
+          </a:fillRef>
+          <a:effectRef idx="0">
+            <a:schemeClr val="accent1"/>
+          </a:effectRef>
+          <a:fontRef idx="minor">
+            <a:schemeClr val="tx1"/>
+          </a:fontRef>
+        </p:style>
+      </p:cxnSp>
+      <p:cxnSp>
+        <p:nvCxnSpPr>
+          <p:cNvPr id="52" name="Straight Arrow Connector 51">
+            <a:extLst>
+              <a:ext uri="{FF2B5EF4-FFF2-40B4-BE49-F238E27FC236}">
+                <a16:creationId xmlns:a16="http://schemas.microsoft.com/office/drawing/2014/main" id="{64F6E57E-8118-4F41-9090-46E669930DFA}"/>
+              </a:ext>
+            </a:extLst>
+          </p:cNvPr>
+          <p:cNvCxnSpPr>
+            <a:cxnSpLocks/>
+            <a:stCxn id="46" idx="3"/>
+            <a:endCxn id="47" idx="1"/>
+          </p:cNvCxnSpPr>
+          <p:nvPr/>
+        </p:nvCxnSpPr>
+        <p:spPr>
+          <a:xfrm>
+            <a:off x="3110720" y="4486546"/>
+            <a:ext cx="385348" cy="0"/>
+          </a:xfrm>
+          <a:prstGeom prst="straightConnector1">
+            <a:avLst/>
+          </a:prstGeom>
+          <a:ln w="12700">
+            <a:solidFill>
+              <a:schemeClr val="tx2"/>
+            </a:solidFill>
+            <a:headEnd type="none" w="med" len="sm"/>
+            <a:tailEnd type="arrow" w="med" len="sm"/>
+          </a:ln>
+        </p:spPr>
+        <p:style>
+          <a:lnRef idx="1">
+            <a:schemeClr val="accent1"/>
+          </a:lnRef>
+          <a:fillRef idx="0">
+            <a:schemeClr val="accent1"/>
+          </a:fillRef>
+          <a:effectRef idx="0">
+            <a:schemeClr val="accent1"/>
+          </a:effectRef>
+          <a:fontRef idx="minor">
+            <a:schemeClr val="tx1"/>
+          </a:fontRef>
+        </p:style>
+      </p:cxnSp>
+      <p:cxnSp>
+        <p:nvCxnSpPr>
+          <p:cNvPr id="53" name="Straight Arrow Connector 52">
+            <a:extLst>
+              <a:ext uri="{FF2B5EF4-FFF2-40B4-BE49-F238E27FC236}">
+                <a16:creationId xmlns:a16="http://schemas.microsoft.com/office/drawing/2014/main" id="{C24A3BC4-4797-4750-8FD6-5D12B0CF4AAD}"/>
+              </a:ext>
+            </a:extLst>
+          </p:cNvPr>
+          <p:cNvCxnSpPr>
+            <a:cxnSpLocks/>
+            <a:stCxn id="44" idx="0"/>
+            <a:endCxn id="42" idx="2"/>
+          </p:cNvCxnSpPr>
+          <p:nvPr/>
+        </p:nvCxnSpPr>
+        <p:spPr>
+          <a:xfrm flipV="1">
+            <a:off x="3906072" y="2315678"/>
+            <a:ext cx="188702" cy="732165"/>
+          </a:xfrm>
+          <a:prstGeom prst="straightConnector1">
+            <a:avLst/>
+          </a:prstGeom>
+          <a:ln w="12700">
+            <a:solidFill>
+              <a:schemeClr val="tx2"/>
+            </a:solidFill>
+            <a:headEnd type="none" w="med" len="sm"/>
+            <a:tailEnd type="arrow" w="med" len="sm"/>
+          </a:ln>
+        </p:spPr>
+        <p:style>
+          <a:lnRef idx="1">
+            <a:schemeClr val="accent1"/>
+          </a:lnRef>
+          <a:fillRef idx="0">
+            <a:schemeClr val="accent1"/>
+          </a:fillRef>
+          <a:effectRef idx="0">
+            <a:schemeClr val="accent1"/>
+          </a:effectRef>
+          <a:fontRef idx="minor">
+            <a:schemeClr val="tx1"/>
+          </a:fontRef>
+        </p:style>
+      </p:cxnSp>
+      <p:cxnSp>
+        <p:nvCxnSpPr>
+          <p:cNvPr id="55" name="Straight Arrow Connector 54">
+            <a:extLst>
+              <a:ext uri="{FF2B5EF4-FFF2-40B4-BE49-F238E27FC236}">
+                <a16:creationId xmlns:a16="http://schemas.microsoft.com/office/drawing/2014/main" id="{C9C1243B-A9B7-4027-9D7E-2C60C351DEE0}"/>
+              </a:ext>
+            </a:extLst>
+          </p:cNvPr>
+          <p:cNvCxnSpPr>
+            <a:cxnSpLocks/>
+            <a:stCxn id="45" idx="0"/>
+            <a:endCxn id="38" idx="2"/>
+          </p:cNvCxnSpPr>
+          <p:nvPr/>
+        </p:nvCxnSpPr>
+        <p:spPr>
+          <a:xfrm flipV="1">
+            <a:off x="5068836" y="2293846"/>
+            <a:ext cx="1150453" cy="766611"/>
+          </a:xfrm>
+          <a:prstGeom prst="straightConnector1">
+            <a:avLst/>
+          </a:prstGeom>
+          <a:ln w="12700">
+            <a:solidFill>
+              <a:schemeClr val="tx2"/>
+            </a:solidFill>
+            <a:headEnd type="none" w="med" len="sm"/>
+            <a:tailEnd type="arrow" w="med" len="sm"/>
+          </a:ln>
+        </p:spPr>
+        <p:style>
+          <a:lnRef idx="1">
+            <a:schemeClr val="accent1"/>
+          </a:lnRef>
+          <a:fillRef idx="0">
+            <a:schemeClr val="accent1"/>
+          </a:fillRef>
+          <a:effectRef idx="0">
+            <a:schemeClr val="accent1"/>
+          </a:effectRef>
+          <a:fontRef idx="minor">
+            <a:schemeClr val="tx1"/>
+          </a:fontRef>
+        </p:style>
+      </p:cxnSp>
+      <p:cxnSp>
+        <p:nvCxnSpPr>
+          <p:cNvPr id="56" name="Straight Arrow Connector 55">
+            <a:extLst>
+              <a:ext uri="{FF2B5EF4-FFF2-40B4-BE49-F238E27FC236}">
+                <a16:creationId xmlns:a16="http://schemas.microsoft.com/office/drawing/2014/main" id="{7248C825-82E5-4784-A634-21531EF93A78}"/>
+              </a:ext>
+            </a:extLst>
+          </p:cNvPr>
+          <p:cNvCxnSpPr>
+            <a:cxnSpLocks/>
+            <a:stCxn id="48" idx="0"/>
+            <a:endCxn id="44" idx="2"/>
+          </p:cNvCxnSpPr>
+          <p:nvPr/>
+        </p:nvCxnSpPr>
+        <p:spPr>
+          <a:xfrm flipH="1" flipV="1">
+            <a:off x="3906072" y="3820373"/>
+            <a:ext cx="1162763" cy="279908"/>
+          </a:xfrm>
+          <a:prstGeom prst="straightConnector1">
+            <a:avLst/>
+          </a:prstGeom>
+          <a:ln w="12700">
+            <a:solidFill>
+              <a:schemeClr val="tx2"/>
+            </a:solidFill>
+            <a:headEnd type="none" w="med" len="sm"/>
+            <a:tailEnd type="arrow" w="med" len="sm"/>
+          </a:ln>
+        </p:spPr>
+        <p:style>
+          <a:lnRef idx="1">
+            <a:schemeClr val="accent1"/>
+          </a:lnRef>
+          <a:fillRef idx="0">
+            <a:schemeClr val="accent1"/>
+          </a:fillRef>
+          <a:effectRef idx="0">
+            <a:schemeClr val="accent1"/>
+          </a:effectRef>
+          <a:fontRef idx="minor">
+            <a:schemeClr val="tx1"/>
+          </a:fontRef>
+        </p:style>
+      </p:cxnSp>
+      <p:cxnSp>
+        <p:nvCxnSpPr>
+          <p:cNvPr id="58" name="Straight Arrow Connector 57">
+            <a:extLst>
+              <a:ext uri="{FF2B5EF4-FFF2-40B4-BE49-F238E27FC236}">
+                <a16:creationId xmlns:a16="http://schemas.microsoft.com/office/drawing/2014/main" id="{81D2F712-EE4C-4ADB-9980-A82D5E291F97}"/>
+              </a:ext>
+            </a:extLst>
+          </p:cNvPr>
+          <p:cNvCxnSpPr>
+            <a:cxnSpLocks/>
+            <a:stCxn id="48" idx="0"/>
+            <a:endCxn id="45" idx="2"/>
+          </p:cNvCxnSpPr>
+          <p:nvPr/>
+        </p:nvCxnSpPr>
+        <p:spPr>
+          <a:xfrm flipV="1">
+            <a:off x="5068835" y="3832987"/>
+            <a:ext cx="1" cy="267294"/>
+          </a:xfrm>
+          <a:prstGeom prst="straightConnector1">
+            <a:avLst/>
+          </a:prstGeom>
+          <a:ln w="12700">
+            <a:solidFill>
+              <a:schemeClr val="tx2"/>
+            </a:solidFill>
+            <a:headEnd type="none" w="med" len="sm"/>
+            <a:tailEnd type="arrow" w="med" len="sm"/>
+          </a:ln>
+        </p:spPr>
+        <p:style>
+          <a:lnRef idx="1">
+            <a:schemeClr val="accent1"/>
+          </a:lnRef>
+          <a:fillRef idx="0">
+            <a:schemeClr val="accent1"/>
+          </a:fillRef>
+          <a:effectRef idx="0">
+            <a:schemeClr val="accent1"/>
+          </a:effectRef>
+          <a:fontRef idx="minor">
+            <a:schemeClr val="tx1"/>
+          </a:fontRef>
+        </p:style>
+      </p:cxnSp>
+      <p:sp>
+        <p:nvSpPr>
+          <p:cNvPr id="61" name="TextBox 4">
+            <a:extLst>
+              <a:ext uri="{FF2B5EF4-FFF2-40B4-BE49-F238E27FC236}">
+                <a16:creationId xmlns:a16="http://schemas.microsoft.com/office/drawing/2014/main" id="{1D7C7DB3-3169-5B48-B331-8240019668A8}"/>
+              </a:ext>
+            </a:extLst>
+          </p:cNvPr>
+          <p:cNvSpPr txBox="1"/>
+          <p:nvPr/>
+        </p:nvSpPr>
+        <p:spPr>
+          <a:xfrm>
+            <a:off x="5688267" y="4028618"/>
+            <a:ext cx="2301904" cy="307777"/>
+          </a:xfrm>
+          <a:prstGeom prst="rect">
+            <a:avLst/>
+          </a:prstGeom>
+          <a:noFill/>
+        </p:spPr>
+        <p:txBody>
+          <a:bodyPr wrap="square" rtlCol="0">
+            <a:spAutoFit/>
+          </a:bodyPr>
+          <a:lstStyle>
+            <a:defPPr>
+              <a:defRPr lang="en-US"/>
+            </a:defPPr>
+            <a:lvl1pPr marL="0" algn="l" defTabSz="914400" rtl="0" eaLnBrk="1" latinLnBrk="0" hangingPunct="1">
+              <a:defRPr sz="1800" kern="1200">
+                <a:solidFill>
+                  <a:schemeClr val="tx1"/>
+                </a:solidFill>
+                <a:latin typeface="+mn-lt"/>
+                <a:ea typeface="+mn-ea"/>
+                <a:cs typeface="+mn-cs"/>
+              </a:defRPr>
+            </a:lvl1pPr>
+            <a:lvl2pPr marL="457200" algn="l" defTabSz="914400" rtl="0" eaLnBrk="1" latinLnBrk="0" hangingPunct="1">
+              <a:defRPr sz="1800" kern="1200">
+                <a:solidFill>
+                  <a:schemeClr val="tx1"/>
+                </a:solidFill>
+                <a:latin typeface="+mn-lt"/>
+                <a:ea typeface="+mn-ea"/>
+                <a:cs typeface="+mn-cs"/>
+              </a:defRPr>
+            </a:lvl2pPr>
+            <a:lvl3pPr marL="914400" algn="l" defTabSz="914400" rtl="0" eaLnBrk="1" latinLnBrk="0" hangingPunct="1">
+              <a:defRPr sz="1800" kern="1200">
+                <a:solidFill>
+                  <a:schemeClr val="tx1"/>
+                </a:solidFill>
+                <a:latin typeface="+mn-lt"/>
+                <a:ea typeface="+mn-ea"/>
+                <a:cs typeface="+mn-cs"/>
+              </a:defRPr>
+            </a:lvl3pPr>
+            <a:lvl4pPr marL="1371600" algn="l" defTabSz="914400" rtl="0" eaLnBrk="1" latinLnBrk="0" hangingPunct="1">
+              <a:defRPr sz="1800" kern="1200">
+                <a:solidFill>
+                  <a:schemeClr val="tx1"/>
+                </a:solidFill>
+                <a:latin typeface="+mn-lt"/>
+                <a:ea typeface="+mn-ea"/>
+                <a:cs typeface="+mn-cs"/>
+              </a:defRPr>
+            </a:lvl4pPr>
+            <a:lvl5pPr marL="1828800" algn="l" defTabSz="914400" rtl="0" eaLnBrk="1" latinLnBrk="0" hangingPunct="1">
+              <a:defRPr sz="1800" kern="1200">
+                <a:solidFill>
+                  <a:schemeClr val="tx1"/>
+                </a:solidFill>
+                <a:latin typeface="+mn-lt"/>
+                <a:ea typeface="+mn-ea"/>
+                <a:cs typeface="+mn-cs"/>
+              </a:defRPr>
+            </a:lvl5pPr>
+            <a:lvl6pPr marL="2286000" algn="l" defTabSz="914400" rtl="0" eaLnBrk="1" latinLnBrk="0" hangingPunct="1">
+              <a:defRPr sz="1800" kern="1200">
+                <a:solidFill>
+                  <a:schemeClr val="tx1"/>
+                </a:solidFill>
+                <a:latin typeface="+mn-lt"/>
+                <a:ea typeface="+mn-ea"/>
+                <a:cs typeface="+mn-cs"/>
+              </a:defRPr>
+            </a:lvl6pPr>
+            <a:lvl7pPr marL="2743200" algn="l" defTabSz="914400" rtl="0" eaLnBrk="1" latinLnBrk="0" hangingPunct="1">
+              <a:defRPr sz="1800" kern="1200">
+                <a:solidFill>
+                  <a:schemeClr val="tx1"/>
+                </a:solidFill>
+                <a:latin typeface="+mn-lt"/>
+                <a:ea typeface="+mn-ea"/>
+                <a:cs typeface="+mn-cs"/>
+              </a:defRPr>
+            </a:lvl7pPr>
+            <a:lvl8pPr marL="3200400" algn="l" defTabSz="914400" rtl="0" eaLnBrk="1" latinLnBrk="0" hangingPunct="1">
+              <a:defRPr sz="1800" kern="1200">
+                <a:solidFill>
+                  <a:schemeClr val="tx1"/>
+                </a:solidFill>
+                <a:latin typeface="+mn-lt"/>
+                <a:ea typeface="+mn-ea"/>
+                <a:cs typeface="+mn-cs"/>
+              </a:defRPr>
+            </a:lvl8pPr>
+            <a:lvl9pPr marL="3657600" algn="l" defTabSz="914400" rtl="0" eaLnBrk="1" latinLnBrk="0" hangingPunct="1">
+              <a:defRPr sz="1800" kern="1200">
+                <a:solidFill>
+                  <a:schemeClr val="tx1"/>
+                </a:solidFill>
+                <a:latin typeface="+mn-lt"/>
+                <a:ea typeface="+mn-ea"/>
+                <a:cs typeface="+mn-cs"/>
+              </a:defRPr>
+            </a:lvl9pPr>
+          </a:lstStyle>
+          <a:p>
+            <a:pPr algn="ctr"/>
+            <a:r>
+              <a:rPr lang="en-US" sz="1400" dirty="0"/>
+              <a:t>Amazon RDS</a:t>
+            </a:r>
+          </a:p>
+        </p:txBody>
+      </p:sp>
+      <p:pic>
+        <p:nvPicPr>
+          <p:cNvPr id="62" name="Graphic 15">
+            <a:extLst>
+              <a:ext uri="{FF2B5EF4-FFF2-40B4-BE49-F238E27FC236}">
+                <a16:creationId xmlns:a16="http://schemas.microsoft.com/office/drawing/2014/main" id="{C74B9571-CBCE-0B41-BB93-C639C1D06DC9}"/>
+              </a:ext>
+            </a:extLst>
+          </p:cNvPr>
+          <p:cNvPicPr>
+            <a:picLocks noChangeAspect="1"/>
+          </p:cNvPicPr>
+          <p:nvPr/>
+        </p:nvPicPr>
+        <p:blipFill>
+          <a:blip r:embed="rId12">
+            <a:extLst>
+              <a:ext uri="{96DAC541-7B7A-43D3-8B79-37D633B846F1}">
+                <asvg:svgBlip xmlns:asvg="http://schemas.microsoft.com/office/drawing/2016/SVG/main" r:embed="rId13"/>
+              </a:ext>
+            </a:extLst>
+          </a:blip>
+          <a:stretch>
+            <a:fillRect/>
+          </a:stretch>
+        </p:blipFill>
+        <p:spPr>
+          <a:xfrm>
+            <a:off x="6483619" y="3232805"/>
+            <a:ext cx="711200" cy="711200"/>
+          </a:xfrm>
+          <a:prstGeom prst="rect">
+            <a:avLst/>
+          </a:prstGeom>
+        </p:spPr>
+      </p:pic>
+      <p:cxnSp>
+        <p:nvCxnSpPr>
+          <p:cNvPr id="63" name="Straight Arrow Connector 19">
+            <a:extLst>
+              <a:ext uri="{FF2B5EF4-FFF2-40B4-BE49-F238E27FC236}">
+                <a16:creationId xmlns:a16="http://schemas.microsoft.com/office/drawing/2014/main" id="{D9BBB054-5350-4834-9973-718D969EE395}"/>
+              </a:ext>
+            </a:extLst>
+          </p:cNvPr>
+          <p:cNvCxnSpPr>
+            <a:cxnSpLocks/>
+            <a:stCxn id="47" idx="2"/>
+            <a:endCxn id="61" idx="2"/>
+          </p:cNvCxnSpPr>
+          <p:nvPr/>
+        </p:nvCxnSpPr>
+        <p:spPr>
+          <a:xfrm rot="5400000" flipH="1" flipV="1">
+            <a:off x="5104437" y="3138029"/>
+            <a:ext cx="536416" cy="2933148"/>
+          </a:xfrm>
+          <a:prstGeom prst="bentConnector3">
+            <a:avLst>
+              <a:gd name="adj1" fmla="val -76899"/>
+            </a:avLst>
+          </a:prstGeom>
+          <a:ln w="12700">
+            <a:solidFill>
+              <a:schemeClr val="tx2"/>
+            </a:solidFill>
+            <a:headEnd type="none" w="med" len="sm"/>
+            <a:tailEnd type="arrow" w="med" len="sm"/>
+          </a:ln>
+        </p:spPr>
+        <p:style>
+          <a:lnRef idx="1">
+            <a:schemeClr val="accent1"/>
+          </a:lnRef>
+          <a:fillRef idx="0">
+            <a:schemeClr val="accent1"/>
+          </a:fillRef>
+          <a:effectRef idx="0">
+            <a:schemeClr val="accent1"/>
+          </a:effectRef>
+          <a:fontRef idx="minor">
+            <a:schemeClr val="tx1"/>
+          </a:fontRef>
+        </p:style>
+      </p:cxnSp>
+      <p:cxnSp>
+        <p:nvCxnSpPr>
+          <p:cNvPr id="67" name="Straight Arrow Connector 19">
+            <a:extLst>
+              <a:ext uri="{FF2B5EF4-FFF2-40B4-BE49-F238E27FC236}">
+                <a16:creationId xmlns:a16="http://schemas.microsoft.com/office/drawing/2014/main" id="{9968B33D-A04E-4C92-870D-5BCCEE01170A}"/>
+              </a:ext>
+            </a:extLst>
+          </p:cNvPr>
+          <p:cNvCxnSpPr>
+            <a:cxnSpLocks/>
+            <a:stCxn id="47" idx="0"/>
+            <a:endCxn id="43" idx="1"/>
+          </p:cNvCxnSpPr>
+          <p:nvPr/>
+        </p:nvCxnSpPr>
+        <p:spPr>
+          <a:xfrm rot="16200000" flipV="1">
+            <a:off x="2506170" y="2700379"/>
+            <a:ext cx="2753556" cy="46247"/>
+          </a:xfrm>
+          <a:prstGeom prst="bentConnector4">
+            <a:avLst>
+              <a:gd name="adj1" fmla="val 6404"/>
+              <a:gd name="adj2" fmla="val 1944191"/>
+            </a:avLst>
+          </a:prstGeom>
+          <a:ln w="12700">
+            <a:solidFill>
+              <a:schemeClr val="tx2"/>
+            </a:solidFill>
+            <a:headEnd type="triangle" w="med" len="sm"/>
+            <a:tailEnd type="none" w="med" len="sm"/>
+          </a:ln>
+        </p:spPr>
+        <p:style>
+          <a:lnRef idx="1">
+            <a:schemeClr val="accent1"/>
+          </a:lnRef>
+          <a:fillRef idx="0">
+            <a:schemeClr val="accent1"/>
+          </a:fillRef>
+          <a:effectRef idx="0">
+            <a:schemeClr val="accent1"/>
+          </a:effectRef>
+          <a:fontRef idx="minor">
+            <a:schemeClr val="tx1"/>
+          </a:fontRef>
+        </p:style>
+      </p:cxnSp>
+    </p:spTree>
+    <p:extLst>
+      <p:ext uri="{BB962C8B-B14F-4D97-AF65-F5344CB8AC3E}">
+        <p14:creationId xmlns:p14="http://schemas.microsoft.com/office/powerpoint/2010/main" val="416148654"/>
+      </p:ext>
+    </p:extLst>
+  </p:cSld>
+  <p:clrMapOvr>
+    <a:masterClrMapping/>
+  </p:clrMapOvr>
+</p:sld>
+</file>
+
 <file path=ppt/theme/theme1.xml><?xml version="1.0" encoding="utf-8"?>
 <a:theme xmlns:a="http://schemas.openxmlformats.org/drawingml/2006/main" name="Office Theme">
   <a:themeElements>
